--- a/solr_swex_gathering.pptx
+++ b/solr_swex_gathering.pptx
@@ -219,7 +219,7 @@
               <a:rPr lang="de-DE" sz="800" smtClean="0">
                 <a:latin typeface="AA Zuehlke" panose="02000503060000020004" pitchFamily="2" charset="0"/>
               </a:rPr>
-              <a:t>28.03.2025</a:t>
+              <a:t>29.03.2025</a:t>
             </a:fld>
             <a:endParaRPr lang="de-DE" sz="800" dirty="0">
               <a:latin typeface="AA Zuehlke" panose="02000503060000020004" pitchFamily="2" charset="0"/>
@@ -533,7 +533,7 @@
             <a:fld id="{5320D358-F853-4E66-A71E-3A9A01236113}" type="datetimeFigureOut">
               <a:rPr lang="de-DE" smtClean="0"/>
               <a:pPr/>
-              <a:t>28.03.2025</a:t>
+              <a:t>29.03.2025</a:t>
             </a:fld>
             <a:endParaRPr lang="de-DE" dirty="0"/>
           </a:p>
@@ -2619,7 +2619,7 @@
             <a:fld id="{F7589BDE-D275-48E5-9926-0260C2129B60}" type="datetime1">
               <a:rPr lang="de-CH" smtClean="0"/>
               <a:pPr algn="r"/>
-              <a:t>28.03.2025</a:t>
+              <a:t>29.03.2025</a:t>
             </a:fld>
             <a:endParaRPr lang="de-CH" dirty="0"/>
           </a:p>
@@ -3618,7 +3618,7 @@
             <a:fld id="{F7589BDE-D275-48E5-9926-0260C2129B60}" type="datetime1">
               <a:rPr lang="de-CH" smtClean="0"/>
               <a:pPr algn="r"/>
-              <a:t>28.03.2025</a:t>
+              <a:t>29.03.2025</a:t>
             </a:fld>
             <a:endParaRPr lang="de-CH" dirty="0"/>
           </a:p>
@@ -4327,7 +4327,7 @@
             <a:fld id="{F7589BDE-D275-48E5-9926-0260C2129B60}" type="datetime1">
               <a:rPr lang="de-CH" smtClean="0"/>
               <a:pPr algn="r"/>
-              <a:t>28.03.2025</a:t>
+              <a:t>29.03.2025</a:t>
             </a:fld>
             <a:endParaRPr lang="de-CH" dirty="0"/>
           </a:p>
@@ -5242,7 +5242,7 @@
             <a:fld id="{F7589BDE-D275-48E5-9926-0260C2129B60}" type="datetime1">
               <a:rPr lang="de-CH" smtClean="0"/>
               <a:pPr algn="r"/>
-              <a:t>28.03.2025</a:t>
+              <a:t>29.03.2025</a:t>
             </a:fld>
             <a:endParaRPr lang="de-CH" dirty="0"/>
           </a:p>
@@ -6040,7 +6040,7 @@
             <a:fld id="{F7589BDE-D275-48E5-9926-0260C2129B60}" type="datetime1">
               <a:rPr lang="de-CH" smtClean="0"/>
               <a:pPr algn="r"/>
-              <a:t>28.03.2025</a:t>
+              <a:t>29.03.2025</a:t>
             </a:fld>
             <a:endParaRPr lang="de-CH" dirty="0"/>
           </a:p>
@@ -6739,7 +6739,7 @@
             <a:fld id="{F7589BDE-D275-48E5-9926-0260C2129B60}" type="datetime1">
               <a:rPr lang="de-CH" smtClean="0"/>
               <a:pPr algn="r"/>
-              <a:t>28.03.2025</a:t>
+              <a:t>29.03.2025</a:t>
             </a:fld>
             <a:endParaRPr lang="de-CH" dirty="0"/>
           </a:p>
@@ -7744,7 +7744,7 @@
             <a:fld id="{F7589BDE-D275-48E5-9926-0260C2129B60}" type="datetime1">
               <a:rPr lang="de-CH" smtClean="0"/>
               <a:pPr algn="r"/>
-              <a:t>28.03.2025</a:t>
+              <a:t>29.03.2025</a:t>
             </a:fld>
             <a:endParaRPr lang="de-CH" dirty="0"/>
           </a:p>
@@ -8431,7 +8431,7 @@
             <a:fld id="{F7589BDE-D275-48E5-9926-0260C2129B60}" type="datetime1">
               <a:rPr lang="de-CH" smtClean="0"/>
               <a:pPr algn="r"/>
-              <a:t>28.03.2025</a:t>
+              <a:t>29.03.2025</a:t>
             </a:fld>
             <a:endParaRPr lang="de-CH" dirty="0"/>
           </a:p>
@@ -9253,7 +9253,7 @@
             <a:fld id="{F7589BDE-D275-48E5-9926-0260C2129B60}" type="datetime1">
               <a:rPr lang="de-CH" smtClean="0"/>
               <a:pPr algn="r"/>
-              <a:t>28.03.2025</a:t>
+              <a:t>29.03.2025</a:t>
             </a:fld>
             <a:endParaRPr lang="de-CH" dirty="0"/>
           </a:p>
@@ -9816,7 +9816,7 @@
             <a:fld id="{F7589BDE-D275-48E5-9926-0260C2129B60}" type="datetime1">
               <a:rPr lang="de-CH" smtClean="0"/>
               <a:pPr algn="r"/>
-              <a:t>28.03.2025</a:t>
+              <a:t>29.03.2025</a:t>
             </a:fld>
             <a:endParaRPr lang="de-CH" dirty="0"/>
           </a:p>
@@ -10352,7 +10352,7 @@
             <a:fld id="{F7589BDE-D275-48E5-9926-0260C2129B60}" type="datetime1">
               <a:rPr lang="de-CH" smtClean="0"/>
               <a:pPr algn="r"/>
-              <a:t>28.03.2025</a:t>
+              <a:t>29.03.2025</a:t>
             </a:fld>
             <a:endParaRPr lang="de-CH" dirty="0"/>
           </a:p>
@@ -11358,7 +11358,7 @@
             <a:fld id="{F7589BDE-D275-48E5-9926-0260C2129B60}" type="datetime1">
               <a:rPr lang="de-CH" smtClean="0"/>
               <a:pPr algn="r"/>
-              <a:t>28.03.2025</a:t>
+              <a:t>29.03.2025</a:t>
             </a:fld>
             <a:endParaRPr lang="de-CH" dirty="0"/>
           </a:p>
@@ -11514,7 +11514,7 @@
             <a:fld id="{F7589BDE-D275-48E5-9926-0260C2129B60}" type="datetime1">
               <a:rPr lang="de-CH" smtClean="0"/>
               <a:pPr algn="r"/>
-              <a:t>28.03.2025</a:t>
+              <a:t>29.03.2025</a:t>
             </a:fld>
             <a:endParaRPr lang="de-CH" dirty="0"/>
           </a:p>
@@ -12576,7 +12576,7 @@
             <a:fld id="{F7589BDE-D275-48E5-9926-0260C2129B60}" type="datetime1">
               <a:rPr lang="de-CH" smtClean="0"/>
               <a:pPr algn="r"/>
-              <a:t>28.03.2025</a:t>
+              <a:t>29.03.2025</a:t>
             </a:fld>
             <a:endParaRPr lang="de-CH" dirty="0"/>
           </a:p>
@@ -13663,7 +13663,7 @@
             <a:fld id="{F7589BDE-D275-48E5-9926-0260C2129B60}" type="datetime1">
               <a:rPr lang="de-CH" smtClean="0"/>
               <a:pPr algn="r"/>
-              <a:t>28.03.2025</a:t>
+              <a:t>29.03.2025</a:t>
             </a:fld>
             <a:endParaRPr lang="de-CH" dirty="0"/>
           </a:p>
@@ -14475,7 +14475,7 @@
             <a:fld id="{F7589BDE-D275-48E5-9926-0260C2129B60}" type="datetime1">
               <a:rPr lang="de-CH" smtClean="0"/>
               <a:pPr algn="r"/>
-              <a:t>28.03.2025</a:t>
+              <a:t>29.03.2025</a:t>
             </a:fld>
             <a:endParaRPr lang="de-CH" dirty="0"/>
           </a:p>
@@ -15598,7 +15598,7 @@
             <a:fld id="{F7589BDE-D275-48E5-9926-0260C2129B60}" type="datetime1">
               <a:rPr lang="de-CH" smtClean="0"/>
               <a:pPr algn="r"/>
-              <a:t>28.03.2025</a:t>
+              <a:t>29.03.2025</a:t>
             </a:fld>
             <a:endParaRPr lang="de-CH" dirty="0"/>
           </a:p>
@@ -16995,7 +16995,7 @@
             <a:fld id="{F7589BDE-D275-48E5-9926-0260C2129B60}" type="datetime1">
               <a:rPr lang="de-CH" smtClean="0"/>
               <a:pPr algn="r"/>
-              <a:t>28.03.2025</a:t>
+              <a:t>29.03.2025</a:t>
             </a:fld>
             <a:endParaRPr lang="de-CH" dirty="0"/>
           </a:p>
@@ -18118,7 +18118,7 @@
             <a:fld id="{F7589BDE-D275-48E5-9926-0260C2129B60}" type="datetime1">
               <a:rPr lang="de-CH" smtClean="0"/>
               <a:pPr algn="r"/>
-              <a:t>28.03.2025</a:t>
+              <a:t>29.03.2025</a:t>
             </a:fld>
             <a:endParaRPr lang="de-CH" dirty="0"/>
           </a:p>
@@ -19048,7 +19048,7 @@
             <a:fld id="{F7589BDE-D275-48E5-9926-0260C2129B60}" type="datetime1">
               <a:rPr lang="de-CH" smtClean="0"/>
               <a:pPr algn="r"/>
-              <a:t>28.03.2025</a:t>
+              <a:t>29.03.2025</a:t>
             </a:fld>
             <a:endParaRPr lang="de-CH" dirty="0"/>
           </a:p>
@@ -19769,7 +19769,7 @@
             <a:fld id="{F7589BDE-D275-48E5-9926-0260C2129B60}" type="datetime1">
               <a:rPr lang="de-CH" smtClean="0"/>
               <a:pPr algn="r"/>
-              <a:t>28.03.2025</a:t>
+              <a:t>29.03.2025</a:t>
             </a:fld>
             <a:endParaRPr lang="de-CH" dirty="0"/>
           </a:p>
@@ -20500,7 +20500,7 @@
             <a:fld id="{F7589BDE-D275-48E5-9926-0260C2129B60}" type="datetime1">
               <a:rPr lang="de-CH" smtClean="0"/>
               <a:pPr algn="r"/>
-              <a:t>28.03.2025</a:t>
+              <a:t>29.03.2025</a:t>
             </a:fld>
             <a:endParaRPr lang="de-CH" dirty="0"/>
           </a:p>
@@ -21236,7 +21236,7 @@
             <a:fld id="{F7589BDE-D275-48E5-9926-0260C2129B60}" type="datetime1">
               <a:rPr lang="de-CH" smtClean="0"/>
               <a:pPr algn="r"/>
-              <a:t>28.03.2025</a:t>
+              <a:t>29.03.2025</a:t>
             </a:fld>
             <a:endParaRPr lang="de-CH" dirty="0"/>
           </a:p>
@@ -22067,7 +22067,7 @@
             <a:fld id="{F7589BDE-D275-48E5-9926-0260C2129B60}" type="datetime1">
               <a:rPr lang="de-CH" smtClean="0"/>
               <a:pPr algn="r"/>
-              <a:t>28.03.2025</a:t>
+              <a:t>29.03.2025</a:t>
             </a:fld>
             <a:endParaRPr lang="de-CH" dirty="0"/>
           </a:p>
@@ -25504,7 +25504,7 @@
             <a:fld id="{3BCEEE6D-E13B-404C-8079-8820A7743E5D}" type="datetime1">
               <a:rPr lang="de-CH" smtClean="0"/>
               <a:pPr/>
-              <a:t>28.03.2025</a:t>
+              <a:t>29.03.2025</a:t>
             </a:fld>
             <a:endParaRPr lang="de-CH"/>
           </a:p>
@@ -25628,7 +25628,7 @@
             <a:fld id="{F7589BDE-D275-48E5-9926-0260C2129B60}" type="datetime1">
               <a:rPr lang="de-CH" smtClean="0"/>
               <a:pPr algn="r"/>
-              <a:t>28.03.2025</a:t>
+              <a:t>29.03.2025</a:t>
             </a:fld>
             <a:endParaRPr lang="de-CH" dirty="0"/>
           </a:p>
@@ -25890,7 +25890,7 @@
             <a:fld id="{F7589BDE-D275-48E5-9926-0260C2129B60}" type="datetime1">
               <a:rPr lang="de-CH" smtClean="0"/>
               <a:pPr algn="r"/>
-              <a:t>28.03.2025</a:t>
+              <a:t>29.03.2025</a:t>
             </a:fld>
             <a:endParaRPr lang="de-CH" dirty="0"/>
           </a:p>
@@ -26978,7 +26978,7 @@
             <a:fld id="{F7589BDE-D275-48E5-9926-0260C2129B60}" type="datetime1">
               <a:rPr lang="de-CH" smtClean="0"/>
               <a:pPr algn="r"/>
-              <a:t>28.03.2025</a:t>
+              <a:t>29.03.2025</a:t>
             </a:fld>
             <a:endParaRPr lang="de-CH" dirty="0"/>
           </a:p>
@@ -27515,7 +27515,7 @@
             <a:fld id="{F7589BDE-D275-48E5-9926-0260C2129B60}" type="datetime1">
               <a:rPr lang="de-CH" smtClean="0"/>
               <a:pPr algn="r"/>
-              <a:t>28.03.2025</a:t>
+              <a:t>29.03.2025</a:t>
             </a:fld>
             <a:endParaRPr lang="de-CH" dirty="0"/>
           </a:p>
@@ -27718,7 +27718,7 @@
             <a:fld id="{F7589BDE-D275-48E5-9926-0260C2129B60}" type="datetime1">
               <a:rPr lang="de-CH" smtClean="0"/>
               <a:pPr algn="r"/>
-              <a:t>28.03.2025</a:t>
+              <a:t>29.03.2025</a:t>
             </a:fld>
             <a:endParaRPr lang="de-CH" dirty="0"/>
           </a:p>
@@ -27992,7 +27992,7 @@
             <a:fld id="{F7589BDE-D275-48E5-9926-0260C2129B60}" type="datetime1">
               <a:rPr lang="de-CH" smtClean="0"/>
               <a:pPr algn="r"/>
-              <a:t>28.03.2025</a:t>
+              <a:t>29.03.2025</a:t>
             </a:fld>
             <a:endParaRPr lang="de-CH" dirty="0"/>
           </a:p>
@@ -28300,7 +28300,7 @@
             <a:fld id="{F7589BDE-D275-48E5-9926-0260C2129B60}" type="datetime1">
               <a:rPr lang="de-CH" smtClean="0"/>
               <a:pPr algn="r"/>
-              <a:t>28.03.2025</a:t>
+              <a:t>29.03.2025</a:t>
             </a:fld>
             <a:endParaRPr lang="de-CH" dirty="0"/>
           </a:p>
@@ -28479,7 +28479,7 @@
             <a:fld id="{F7589BDE-D275-48E5-9926-0260C2129B60}" type="datetime1">
               <a:rPr lang="de-CH" smtClean="0"/>
               <a:pPr algn="r"/>
-              <a:t>28.03.2025</a:t>
+              <a:t>29.03.2025</a:t>
             </a:fld>
             <a:endParaRPr lang="de-CH" dirty="0"/>
           </a:p>
@@ -28824,7 +28824,7 @@
             <a:fld id="{F7589BDE-D275-48E5-9926-0260C2129B60}" type="datetime1">
               <a:rPr lang="de-CH" smtClean="0"/>
               <a:pPr algn="r"/>
-              <a:t>28.03.2025</a:t>
+              <a:t>29.03.2025</a:t>
             </a:fld>
             <a:endParaRPr lang="de-CH" dirty="0"/>
           </a:p>
@@ -30422,7 +30422,7 @@
             <a:fld id="{F7589BDE-D275-48E5-9926-0260C2129B60}" type="datetime1">
               <a:rPr lang="de-CH" smtClean="0"/>
               <a:pPr algn="r"/>
-              <a:t>28.03.2025</a:t>
+              <a:t>29.03.2025</a:t>
             </a:fld>
             <a:endParaRPr lang="de-CH" dirty="0"/>
           </a:p>
@@ -30640,7 +30640,7 @@
             <a:fld id="{F7589BDE-D275-48E5-9926-0260C2129B60}" type="datetime1">
               <a:rPr lang="de-CH" smtClean="0"/>
               <a:pPr algn="r"/>
-              <a:t>28.03.2025</a:t>
+              <a:t>29.03.2025</a:t>
             </a:fld>
             <a:endParaRPr lang="de-CH" dirty="0"/>
           </a:p>
@@ -32146,7 +32146,7 @@
             <a:fld id="{F7589BDE-D275-48E5-9926-0260C2129B60}" type="datetime1">
               <a:rPr lang="de-CH" smtClean="0"/>
               <a:pPr algn="r"/>
-              <a:t>28.03.2025</a:t>
+              <a:t>29.03.2025</a:t>
             </a:fld>
             <a:endParaRPr lang="de-CH" dirty="0"/>
           </a:p>
@@ -35684,6 +35684,44 @@
 </file>
 
 <file path=customXml/item1.xml><?xml version="1.0" encoding="utf-8"?>
+<TemplafySlideTemplateConfiguration><![CDATA[{"slideVersion":1,"isValidatorEnabled":false,"isLocked":false,"elementsMetadata":[{"type":"shape","elementConfiguration":{"visibility":"{{IfElse(Equals(Form.Privacy_Information.Name, \"Strictly Confidential\"), VisibilityType.Visible, VisibilityType.Hidden)}}","type":"text","disableUpdates":false}},{"type":"shape","elementConfiguration":{"visibility":"{{IfElse(Equals(Form.Privacy_Information.Name, \"Restricted\"), VisibilityType.Visible, VisibilityType.Hidden)}}","type":"text","disableUpdates":false}},{"type":"shape","elementConfiguration":{"visibility":"{{IfElse(Equals(Form.Privacy_Information.Name, \"Confidential\"), VisibilityType.Visible, VisibilityType.Hidden)}}","type":"text","disableUpdates":false}},{"type":"shape","elementConfiguration":{"visibility":"{{IfElse(Equals(Form.Privacy_Information.Name, \"Public\"), VisibilityType.Visible, VisibilityType.Hidden)}}","type":"text","disableUpdates":false}}],"slideId":"638134304836282046","enableDocumentContentUpdater":false,"version":"2.0"}]]></TemplafySlideTemplateConfiguration>
+</file>
+
+<file path=customXml/item2.xml><?xml version="1.0" encoding="utf-8"?>
+<?mso-contentType ?>
+<FormTemplates xmlns="http://schemas.microsoft.com/sharepoint/v3/contenttype/forms">
+  <Display>DocumentLibraryForm</Display>
+  <Edit>DocumentLibraryForm</Edit>
+  <New>DocumentLibraryForm</New>
+</FormTemplates>
+</file>
+
+<file path=customXml/item3.xml><?xml version="1.0" encoding="utf-8"?>
+<TemplafyFormConfiguration><![CDATA[{"formFields":[{"required":false,"placeholder":"","lines":1,"shareValue":false,"type":"textBox","name":"Title","label":"Title of the presentation"},{"required":false,"placeholder":"","lines":1,"shareValue":false,"type":"textBox","name":"Subline","label":"Subtitle of the presentation"},{"distinct":false,"hideIfNoUserInteractionRequired":false,"required":false,"autoSelectFirstOption":false,"shareValue":false,"type":"dropDown","dataSourceName":"PrivacyInformation","dataSourceFieldName":"PrivacyInformation","name":"Privacy_Information","label":"Privacy"}],"formDataEntries":[]}]]></TemplafyFormConfiguration>
+</file>
+
+<file path=customXml/item4.xml><?xml version="1.0" encoding="utf-8"?>
+<p:properties xmlns:p="http://schemas.microsoft.com/office/2006/metadata/properties" xmlns:xsi="http://www.w3.org/2001/XMLSchema-instance" xmlns:pc="http://schemas.microsoft.com/office/infopath/2007/PartnerControls">
+  <documentManagement>
+    <_ip_UnifiedCompliancePolicyUIAction xmlns="http://schemas.microsoft.com/sharepoint/v3" xsi:nil="true"/>
+    <TaxCatchAll xmlns="22a3f1e7-1ad8-4567-967d-700183da1d1b" xsi:nil="true"/>
+    <lcf76f155ced4ddcb4097134ff3c332f xmlns="aacb7df8-672f-46f2-977f-893ce5cef86b">
+      <Terms xmlns="http://schemas.microsoft.com/office/infopath/2007/PartnerControls"/>
+    </lcf76f155ced4ddcb4097134ff3c332f>
+    <_ip_UnifiedCompliancePolicyProperties xmlns="http://schemas.microsoft.com/sharepoint/v3" xsi:nil="true"/>
+  </documentManagement>
+</p:properties>
+</file>
+
+<file path=customXml/item5.xml><?xml version="1.0" encoding="utf-8"?>
+<TemplafyTemplateConfiguration><![CDATA[{"elementsMetadata":[{"type":"shape","id":"fdaf73b0-7474-4491-a608-f7c9c608cbc9","elementConfiguration":{"type":"text","disableUpdates":false}},{"type":"shape","id":"1933bed4-fcb7-48ff-9701-58d67bb2842e","elementConfiguration":{"binding":"{{UserProfile.Name}}","type":"text","disableUpdates":false}},{"type":"shape","id":"8e5e9229-086e-432a-ac0c-e22541f73781","elementConfiguration":{"visibility":"{{IfElse(Equals(Form.Privacy_Information.Name, \"Strictly Confidential\"), VisibilityType.Visible, VisibilityType.Hidden)}}","type":"text","disableUpdates":false}},{"type":"shape","id":"8304a26f-d405-4108-811a-b635a8eee992","elementConfiguration":{"visibility":"{{IfElse(Equals(Form.Privacy_Information.Name, \"Restricted\"), VisibilityType.Visible, VisibilityType.Hidden)}}","type":"text","disableUpdates":false}},{"type":"shape","id":"fd8ae0cd-cfc6-4871-9a3e-86ac3d927719","elementConfiguration":{"visibility":"{{IfElse(Equals(Form.Privacy_Information.Name, \"Confidential\"), VisibilityType.Visible, VisibilityType.Hidden)}}","type":"text","disableUpdates":false}},{"type":"shape","id":"69e0e55f-a9ee-45e8-9f19-c260b27456af","elementConfiguration":{"visibility":"{{IfElse(Equals(Form.Privacy_Information.Name, \"Public\"), VisibilityType.Visible, VisibilityType.Hidden)}}","type":"text","disableUpdates":false}},{"type":"shape","id":"2bc5dcc6-7243-470c-a20b-d15580bd3425","elementConfiguration":{"visibility":"{{IfElse(Equals(Form.Privacy_Information.Name, \"Strictly Confidential\"), VisibilityType.Visible, VisibilityType.Hidden)}}","type":"text","disableUpdates":false}},{"type":"shape","id":"4d042f9b-8456-412a-aee4-3711269074c9","elementConfiguration":{"visibility":"{{IfElse(Equals(Form.Privacy_Information.Name, \"Restricted\"), VisibilityType.Visible, VisibilityType.Hidden)}}","type":"text","disableUpdates":false}},{"type":"shape","id":"23ca0750-2c69-4863-b31f-88c3e0e5c79f","elementConfiguration":{"visibility":"{{IfElse(Equals(Form.Privacy_Information.Name, \"Confidential\"), VisibilityType.Visible, VisibilityType.Hidden)}}","type":"text","disableUpdates":false}},{"type":"shape","id":"3760b228-694e-467a-af65-9ca9d447e1eb","elementConfiguration":{"visibility":"{{IfElse(Equals(Form.Privacy_Information.Name, \"Public\"), VisibilityType.Visible, VisibilityType.Hidden)}}","type":"text","disableUpdates":false}},{"type":"shape","id":"595fd430-458d-4296-ac3c-b0a6a8800a07","elementConfiguration":{"visibility":"{{IfElse(Equals(Form.Privacy_Information.Name, \"Strictly Confidential\"), VisibilityType.Visible, VisibilityType.Hidden)}}","type":"text","disableUpdates":false}},{"type":"shape","id":"550bd2fa-515d-45e4-9067-7a1ee14c5c64","elementConfiguration":{"visibility":"{{IfElse(Equals(Form.Privacy_Information.Name, \"Restricted\"), VisibilityType.Visible, VisibilityType.Hidden)}}","type":"text","disableUpdates":false}},{"type":"shape","id":"544ed0d4-8ae9-4fca-a029-d6adcac1732d","elementConfiguration":{"visibility":"{{IfElse(Equals(Form.Privacy_Information.Name, \"Confidential\"), VisibilityType.Visible, VisibilityType.Hidden)}}","type":"text","disableUpdates":false}},{"type":"shape","id":"66c2df77-c56b-45a9-9286-286ce143aa0c","elementConfiguration":{"visibility":"{{IfElse(Equals(Form.Privacy_Information.Name, \"Public\"), VisibilityType.Visible, VisibilityType.Hidden)}}","type":"text","disableUpdates":false}},{"type":"shape","id":"acbfe7c9-d337-413f-92c0-eca42c728e4d","elementConfiguration":{"type":"text","disableUpdates":false}},{"type":"shape","id":"63e91281-6c2d-4a6e-adf1-9c405bca3779","elementConfiguration":{"binding":"{{UserProfile.Name}}","type":"text","disableUpdates":false}},{"type":"shape","id":"aa952a08-9e05-4dd0-94fa-884c036c0c45","elementConfiguration":{"binding":"{{UserProfile.Name}}","type":"text","disableUpdates":false}},{"type":"shape","id":"30f8bede-2f01-4e4f-a71c-d61c2f5be213","elementConfiguration":{"type":"text","disableUpdates":false}},{"type":"shape","id":"81553566-95a1-42e9-93eb-50c7bb1da579","elementConfiguration":{"binding":"{{UserProfile.Name}}","type":"text","disableUpdates":false}},{"type":"shape","id":"7a84e88e-931d-46d8-b124-af89add171b2","elementConfiguration":{"type":"text","disableUpdates":false}},{"type":"shape","id":"0c8e2ea8-735a-4497-87b0-13bbd95f1ee7","elementConfiguration":{"visibility":"{{IfElse(Equals(Form.Privacy_Information.Name, \"Strictly Confidential\"), VisibilityType.Visible, VisibilityType.Hidden)}}","type":"text","disableUpdates":false}},{"type":"shape","id":"6930ad82-5709-4abf-94db-ba0a9f75160c","elementConfiguration":{"visibility":"{{IfElse(Equals(Form.Privacy_Information.Name, \"Restricted\"), VisibilityType.Visible, VisibilityType.Hidden)}}","type":"text","disableUpdates":false}},{"type":"shape","id":"17f23c26-d86d-406a-bddc-f30e78391b57","elementConfiguration":{"visibility":"{{IfElse(Equals(Form.Privacy_Information.Name, \"Confidential\"), VisibilityType.Visible, VisibilityType.Hidden)}}","type":"text","disableUpdates":false}},{"type":"shape","id":"e1bb0335-3a35-4b66-bfae-a4174ae047fd","elementConfiguration":{"visibility":"{{IfElse(Equals(Form.Privacy_Information.Name, \"Public\"), VisibilityType.Visible, VisibilityType.Hidden)}}","type":"text","disableUpdates":false}},{"type":"shape","id":"e75cc8ab-d9f6-40d4-aa8a-7ea134a59ff7","elementConfiguration":{"visibility":"{{IfElse(Equals(Form.Privacy_Information.Name, \"Strictly Confidential\"), VisibilityType.Visible, VisibilityType.Hidden)}}","type":"text","disableUpdates":false}},{"type":"shape","id":"10b1ba00-e9e6-48ee-a3b7-28b3cdfeb3e4","elementConfiguration":{"visibility":"{{IfElse(Equals(Form.Privacy_Information.Name, \"Restricted\"), VisibilityType.Visible, VisibilityType.Hidden)}}","type":"text","disableUpdates":false}},{"type":"shape","id":"40401a2b-123a-41b9-8f18-33009f6d7a6e","elementConfiguration":{"visibility":"{{IfElse(Equals(Form.Privacy_Information.Name, \"Confidential\"), VisibilityType.Visible, VisibilityType.Hidden)}}","type":"text","disableUpdates":false}},{"type":"shape","id":"4235b90d-0756-43d4-a27d-7bf142883977","elementConfiguration":{"visibility":"{{IfElse(Equals(Form.Privacy_Information.Name, \"Public\"), VisibilityType.Visible, VisibilityType.Hidden)}}","type":"text","disableUpdates":false}},{"type":"shape","id":"ea86fab7-bce1-492f-a9f2-b8914c0f7b65","elementConfiguration":{"binding":"{{UserProfile.Name}}","type":"text","disableUpdates":false}},{"type":"shape","id":"13c35723-5cfd-4d53-b06b-0f75682de595","elementConfiguration":{"type":"text","disableUpdates":false}}],"transformationConfigurations":[{"language":"{{UserProfile.DocumentLanguage.Language.Language}}","disableUpdates":false,"type":"proofingLanguage"}],"templateName":"zuehlke_blank","templateDescription":"","enableDocumentContentUpdater":true,"version":"2.0"}]]></TemplafyTemplateConfiguration>
+</file>
+
+<file path=customXml/item6.xml><?xml version="1.0" encoding="utf-8"?>
+<TemplafySlideFormConfiguration><![CDATA[{"formFields":[{"distinct":false,"hideIfNoUserInteractionRequired":false,"required":false,"autoSelectFirstOption":false,"shareValue":false,"type":"dropDown","dataSourceName":"PrivacyInformation","dataSourceFieldName":"PrivacyInformation","name":"Privacy_Information","label":"Privacy"}],"formDataEntries":[]}]]></TemplafySlideFormConfiguration>
+</file>
+
+<file path=customXml/item7.xml><?xml version="1.0" encoding="utf-8"?>
 <ct:contentTypeSchema xmlns:ct="http://schemas.microsoft.com/office/2006/metadata/contentType" xmlns:ma="http://schemas.microsoft.com/office/2006/metadata/properties/metaAttributes" ct:_="" ma:_="" ma:contentTypeName="Document" ma:contentTypeID="0x0101009C3CCF29AC71D4428C978BA42A6A441C" ma:contentTypeVersion="34" ma:contentTypeDescription="Een nieuw document maken." ma:contentTypeScope="" ma:versionID="7d158b9b3fd3ec60989cb2b3e32d5771">
   <xsd:schema xmlns:xsd="http://www.w3.org/2001/XMLSchema" xmlns:xs="http://www.w3.org/2001/XMLSchema" xmlns:p="http://schemas.microsoft.com/office/2006/metadata/properties" xmlns:ns1="http://schemas.microsoft.com/sharepoint/v3" xmlns:ns2="aacb7df8-672f-46f2-977f-893ce5cef86b" xmlns:ns3="22a3f1e7-1ad8-4567-967d-700183da1d1b" targetNamespace="http://schemas.microsoft.com/office/2006/metadata/properties" ma:root="true" ma:fieldsID="b2ea9b1e2fb62c990773d12b5caa2323" ns1:_="" ns2:_="" ns3:_="">
     <xsd:import namespace="http://schemas.microsoft.com/sharepoint/v3"/>
@@ -35943,45 +35981,51 @@
 </ct:contentTypeSchema>
 </file>
 
-<file path=customXml/item2.xml><?xml version="1.0" encoding="utf-8"?>
-<TemplafySlideFormConfiguration><![CDATA[{"formFields":[{"distinct":false,"hideIfNoUserInteractionRequired":false,"required":false,"autoSelectFirstOption":false,"shareValue":false,"type":"dropDown","dataSourceName":"PrivacyInformation","dataSourceFieldName":"PrivacyInformation","name":"Privacy_Information","label":"Privacy"}],"formDataEntries":[]}]]></TemplafySlideFormConfiguration>
+<file path=customXml/itemProps1.xml><?xml version="1.0" encoding="utf-8"?>
+<ds:datastoreItem xmlns:ds="http://schemas.openxmlformats.org/officeDocument/2006/customXml" ds:itemID="{4A60029D-BC97-4DCF-8029-ACF823033E00}">
+  <ds:schemaRefs/>
+</ds:datastoreItem>
 </file>
 
-<file path=customXml/item3.xml><?xml version="1.0" encoding="utf-8"?>
-<p:properties xmlns:p="http://schemas.microsoft.com/office/2006/metadata/properties" xmlns:xsi="http://www.w3.org/2001/XMLSchema-instance" xmlns:pc="http://schemas.microsoft.com/office/infopath/2007/PartnerControls">
-  <documentManagement>
-    <_ip_UnifiedCompliancePolicyUIAction xmlns="http://schemas.microsoft.com/sharepoint/v3" xsi:nil="true"/>
-    <TaxCatchAll xmlns="22a3f1e7-1ad8-4567-967d-700183da1d1b" xsi:nil="true"/>
-    <lcf76f155ced4ddcb4097134ff3c332f xmlns="aacb7df8-672f-46f2-977f-893ce5cef86b">
-      <Terms xmlns="http://schemas.microsoft.com/office/infopath/2007/PartnerControls"/>
-    </lcf76f155ced4ddcb4097134ff3c332f>
-    <_ip_UnifiedCompliancePolicyProperties xmlns="http://schemas.microsoft.com/sharepoint/v3" xsi:nil="true"/>
-  </documentManagement>
-</p:properties>
+<file path=customXml/itemProps2.xml><?xml version="1.0" encoding="utf-8"?>
+<ds:datastoreItem xmlns:ds="http://schemas.openxmlformats.org/officeDocument/2006/customXml" ds:itemID="{D76696FF-6F99-4BF8-BD28-5EEAF2578D78}">
+  <ds:schemaRefs>
+    <ds:schemaRef ds:uri="http://schemas.microsoft.com/sharepoint/v3/contenttype/forms"/>
+  </ds:schemaRefs>
+</ds:datastoreItem>
 </file>
 
-<file path=customXml/item4.xml><?xml version="1.0" encoding="utf-8"?>
-<TemplafyFormConfiguration><![CDATA[{"formFields":[{"required":false,"placeholder":"","lines":1,"shareValue":false,"type":"textBox","name":"Title","label":"Title of the presentation"},{"required":false,"placeholder":"","lines":1,"shareValue":false,"type":"textBox","name":"Subline","label":"Subtitle of the presentation"},{"distinct":false,"hideIfNoUserInteractionRequired":false,"required":false,"autoSelectFirstOption":false,"shareValue":false,"type":"dropDown","dataSourceName":"PrivacyInformation","dataSourceFieldName":"PrivacyInformation","name":"Privacy_Information","label":"Privacy"}],"formDataEntries":[]}]]></TemplafyFormConfiguration>
+<file path=customXml/itemProps3.xml><?xml version="1.0" encoding="utf-8"?>
+<ds:datastoreItem xmlns:ds="http://schemas.openxmlformats.org/officeDocument/2006/customXml" ds:itemID="{A0CB3283-4520-48D0-9091-1EFB3339413D}">
+  <ds:schemaRefs/>
+</ds:datastoreItem>
 </file>
 
-<file path=customXml/item5.xml><?xml version="1.0" encoding="utf-8"?>
-<?mso-contentType ?>
-<FormTemplates xmlns="http://schemas.microsoft.com/sharepoint/v3/contenttype/forms">
-  <Display>DocumentLibraryForm</Display>
-  <Edit>DocumentLibraryForm</Edit>
-  <New>DocumentLibraryForm</New>
-</FormTemplates>
+<file path=customXml/itemProps4.xml><?xml version="1.0" encoding="utf-8"?>
+<ds:datastoreItem xmlns:ds="http://schemas.openxmlformats.org/officeDocument/2006/customXml" ds:itemID="{D19BEC73-69CB-414A-A7BE-653B795EEE32}">
+  <ds:schemaRefs>
+    <ds:schemaRef ds:uri="http://schemas.microsoft.com/office/2006/metadata/properties"/>
+    <ds:schemaRef ds:uri="http://schemas.microsoft.com/office/infopath/2007/PartnerControls"/>
+    <ds:schemaRef ds:uri="http://schemas.microsoft.com/sharepoint/v3"/>
+    <ds:schemaRef ds:uri="22a3f1e7-1ad8-4567-967d-700183da1d1b"/>
+    <ds:schemaRef ds:uri="aacb7df8-672f-46f2-977f-893ce5cef86b"/>
+  </ds:schemaRefs>
+</ds:datastoreItem>
 </file>
 
-<file path=customXml/item6.xml><?xml version="1.0" encoding="utf-8"?>
-<TemplafySlideTemplateConfiguration><![CDATA[{"slideVersion":1,"isValidatorEnabled":false,"isLocked":false,"elementsMetadata":[{"type":"shape","elementConfiguration":{"visibility":"{{IfElse(Equals(Form.Privacy_Information.Name, \"Strictly Confidential\"), VisibilityType.Visible, VisibilityType.Hidden)}}","type":"text","disableUpdates":false}},{"type":"shape","elementConfiguration":{"visibility":"{{IfElse(Equals(Form.Privacy_Information.Name, \"Restricted\"), VisibilityType.Visible, VisibilityType.Hidden)}}","type":"text","disableUpdates":false}},{"type":"shape","elementConfiguration":{"visibility":"{{IfElse(Equals(Form.Privacy_Information.Name, \"Confidential\"), VisibilityType.Visible, VisibilityType.Hidden)}}","type":"text","disableUpdates":false}},{"type":"shape","elementConfiguration":{"visibility":"{{IfElse(Equals(Form.Privacy_Information.Name, \"Public\"), VisibilityType.Visible, VisibilityType.Hidden)}}","type":"text","disableUpdates":false}}],"slideId":"638134304836282046","enableDocumentContentUpdater":false,"version":"2.0"}]]></TemplafySlideTemplateConfiguration>
+<file path=customXml/itemProps5.xml><?xml version="1.0" encoding="utf-8"?>
+<ds:datastoreItem xmlns:ds="http://schemas.openxmlformats.org/officeDocument/2006/customXml" ds:itemID="{28C85CB8-C4E2-42B6-9E95-8E3EDB1A7CC4}">
+  <ds:schemaRefs/>
+</ds:datastoreItem>
 </file>
 
-<file path=customXml/item7.xml><?xml version="1.0" encoding="utf-8"?>
-<TemplafyTemplateConfiguration><![CDATA[{"elementsMetadata":[{"type":"shape","id":"fdaf73b0-7474-4491-a608-f7c9c608cbc9","elementConfiguration":{"type":"text","disableUpdates":false}},{"type":"shape","id":"1933bed4-fcb7-48ff-9701-58d67bb2842e","elementConfiguration":{"binding":"{{UserProfile.Name}}","type":"text","disableUpdates":false}},{"type":"shape","id":"8e5e9229-086e-432a-ac0c-e22541f73781","elementConfiguration":{"visibility":"{{IfElse(Equals(Form.Privacy_Information.Name, \"Strictly Confidential\"), VisibilityType.Visible, VisibilityType.Hidden)}}","type":"text","disableUpdates":false}},{"type":"shape","id":"8304a26f-d405-4108-811a-b635a8eee992","elementConfiguration":{"visibility":"{{IfElse(Equals(Form.Privacy_Information.Name, \"Restricted\"), VisibilityType.Visible, VisibilityType.Hidden)}}","type":"text","disableUpdates":false}},{"type":"shape","id":"fd8ae0cd-cfc6-4871-9a3e-86ac3d927719","elementConfiguration":{"visibility":"{{IfElse(Equals(Form.Privacy_Information.Name, \"Confidential\"), VisibilityType.Visible, VisibilityType.Hidden)}}","type":"text","disableUpdates":false}},{"type":"shape","id":"69e0e55f-a9ee-45e8-9f19-c260b27456af","elementConfiguration":{"visibility":"{{IfElse(Equals(Form.Privacy_Information.Name, \"Public\"), VisibilityType.Visible, VisibilityType.Hidden)}}","type":"text","disableUpdates":false}},{"type":"shape","id":"2bc5dcc6-7243-470c-a20b-d15580bd3425","elementConfiguration":{"visibility":"{{IfElse(Equals(Form.Privacy_Information.Name, \"Strictly Confidential\"), VisibilityType.Visible, VisibilityType.Hidden)}}","type":"text","disableUpdates":false}},{"type":"shape","id":"4d042f9b-8456-412a-aee4-3711269074c9","elementConfiguration":{"visibility":"{{IfElse(Equals(Form.Privacy_Information.Name, \"Restricted\"), VisibilityType.Visible, VisibilityType.Hidden)}}","type":"text","disableUpdates":false}},{"type":"shape","id":"23ca0750-2c69-4863-b31f-88c3e0e5c79f","elementConfiguration":{"visibility":"{{IfElse(Equals(Form.Privacy_Information.Name, \"Confidential\"), VisibilityType.Visible, VisibilityType.Hidden)}}","type":"text","disableUpdates":false}},{"type":"shape","id":"3760b228-694e-467a-af65-9ca9d447e1eb","elementConfiguration":{"visibility":"{{IfElse(Equals(Form.Privacy_Information.Name, \"Public\"), VisibilityType.Visible, VisibilityType.Hidden)}}","type":"text","disableUpdates":false}},{"type":"shape","id":"595fd430-458d-4296-ac3c-b0a6a8800a07","elementConfiguration":{"visibility":"{{IfElse(Equals(Form.Privacy_Information.Name, \"Strictly Confidential\"), VisibilityType.Visible, VisibilityType.Hidden)}}","type":"text","disableUpdates":false}},{"type":"shape","id":"550bd2fa-515d-45e4-9067-7a1ee14c5c64","elementConfiguration":{"visibility":"{{IfElse(Equals(Form.Privacy_Information.Name, \"Restricted\"), VisibilityType.Visible, VisibilityType.Hidden)}}","type":"text","disableUpdates":false}},{"type":"shape","id":"544ed0d4-8ae9-4fca-a029-d6adcac1732d","elementConfiguration":{"visibility":"{{IfElse(Equals(Form.Privacy_Information.Name, \"Confidential\"), VisibilityType.Visible, VisibilityType.Hidden)}}","type":"text","disableUpdates":false}},{"type":"shape","id":"66c2df77-c56b-45a9-9286-286ce143aa0c","elementConfiguration":{"visibility":"{{IfElse(Equals(Form.Privacy_Information.Name, \"Public\"), VisibilityType.Visible, VisibilityType.Hidden)}}","type":"text","disableUpdates":false}},{"type":"shape","id":"acbfe7c9-d337-413f-92c0-eca42c728e4d","elementConfiguration":{"type":"text","disableUpdates":false}},{"type":"shape","id":"63e91281-6c2d-4a6e-adf1-9c405bca3779","elementConfiguration":{"binding":"{{UserProfile.Name}}","type":"text","disableUpdates":false}},{"type":"shape","id":"aa952a08-9e05-4dd0-94fa-884c036c0c45","elementConfiguration":{"binding":"{{UserProfile.Name}}","type":"text","disableUpdates":false}},{"type":"shape","id":"30f8bede-2f01-4e4f-a71c-d61c2f5be213","elementConfiguration":{"type":"text","disableUpdates":false}},{"type":"shape","id":"81553566-95a1-42e9-93eb-50c7bb1da579","elementConfiguration":{"binding":"{{UserProfile.Name}}","type":"text","disableUpdates":false}},{"type":"shape","id":"7a84e88e-931d-46d8-b124-af89add171b2","elementConfiguration":{"type":"text","disableUpdates":false}},{"type":"shape","id":"0c8e2ea8-735a-4497-87b0-13bbd95f1ee7","elementConfiguration":{"visibility":"{{IfElse(Equals(Form.Privacy_Information.Name, \"Strictly Confidential\"), VisibilityType.Visible, VisibilityType.Hidden)}}","type":"text","disableUpdates":false}},{"type":"shape","id":"6930ad82-5709-4abf-94db-ba0a9f75160c","elementConfiguration":{"visibility":"{{IfElse(Equals(Form.Privacy_Information.Name, \"Restricted\"), VisibilityType.Visible, VisibilityType.Hidden)}}","type":"text","disableUpdates":false}},{"type":"shape","id":"17f23c26-d86d-406a-bddc-f30e78391b57","elementConfiguration":{"visibility":"{{IfElse(Equals(Form.Privacy_Information.Name, \"Confidential\"), VisibilityType.Visible, VisibilityType.Hidden)}}","type":"text","disableUpdates":false}},{"type":"shape","id":"e1bb0335-3a35-4b66-bfae-a4174ae047fd","elementConfiguration":{"visibility":"{{IfElse(Equals(Form.Privacy_Information.Name, \"Public\"), VisibilityType.Visible, VisibilityType.Hidden)}}","type":"text","disableUpdates":false}},{"type":"shape","id":"e75cc8ab-d9f6-40d4-aa8a-7ea134a59ff7","elementConfiguration":{"visibility":"{{IfElse(Equals(Form.Privacy_Information.Name, \"Strictly Confidential\"), VisibilityType.Visible, VisibilityType.Hidden)}}","type":"text","disableUpdates":false}},{"type":"shape","id":"10b1ba00-e9e6-48ee-a3b7-28b3cdfeb3e4","elementConfiguration":{"visibility":"{{IfElse(Equals(Form.Privacy_Information.Name, \"Restricted\"), VisibilityType.Visible, VisibilityType.Hidden)}}","type":"text","disableUpdates":false}},{"type":"shape","id":"40401a2b-123a-41b9-8f18-33009f6d7a6e","elementConfiguration":{"visibility":"{{IfElse(Equals(Form.Privacy_Information.Name, \"Confidential\"), VisibilityType.Visible, VisibilityType.Hidden)}}","type":"text","disableUpdates":false}},{"type":"shape","id":"4235b90d-0756-43d4-a27d-7bf142883977","elementConfiguration":{"visibility":"{{IfElse(Equals(Form.Privacy_Information.Name, \"Public\"), VisibilityType.Visible, VisibilityType.Hidden)}}","type":"text","disableUpdates":false}},{"type":"shape","id":"ea86fab7-bce1-492f-a9f2-b8914c0f7b65","elementConfiguration":{"binding":"{{UserProfile.Name}}","type":"text","disableUpdates":false}},{"type":"shape","id":"13c35723-5cfd-4d53-b06b-0f75682de595","elementConfiguration":{"type":"text","disableUpdates":false}}],"transformationConfigurations":[{"language":"{{UserProfile.DocumentLanguage.Language.Language}}","disableUpdates":false,"type":"proofingLanguage"}],"templateName":"zuehlke_blank","templateDescription":"","enableDocumentContentUpdater":true,"version":"2.0"}]]></TemplafyTemplateConfiguration>
+<file path=customXml/itemProps6.xml><?xml version="1.0" encoding="utf-8"?>
+<ds:datastoreItem xmlns:ds="http://schemas.openxmlformats.org/officeDocument/2006/customXml" ds:itemID="{C2F0ADA9-F6CD-4CB2-A62A-48ED7579C5D3}">
+  <ds:schemaRefs/>
+</ds:datastoreItem>
 </file>
 
-<file path=customXml/itemProps1.xml><?xml version="1.0" encoding="utf-8"?>
+<file path=customXml/itemProps7.xml><?xml version="1.0" encoding="utf-8"?>
 <ds:datastoreItem xmlns:ds="http://schemas.openxmlformats.org/officeDocument/2006/customXml" ds:itemID="{D248F8DB-9E28-4225-8775-E011E29A2C0E}">
   <ds:schemaRefs>
     <ds:schemaRef ds:uri="http://schemas.microsoft.com/office/2006/metadata/contentType"/>
@@ -35999,48 +36043,4 @@
     <ds:schemaRef ds:uri="http://schemas.microsoft.com/internal/obd"/>
   </ds:schemaRefs>
 </ds:datastoreItem>
-</file>
-
-<file path=customXml/itemProps2.xml><?xml version="1.0" encoding="utf-8"?>
-<ds:datastoreItem xmlns:ds="http://schemas.openxmlformats.org/officeDocument/2006/customXml" ds:itemID="{C2F0ADA9-F6CD-4CB2-A62A-48ED7579C5D3}">
-  <ds:schemaRefs/>
-</ds:datastoreItem>
-</file>
-
-<file path=customXml/itemProps3.xml><?xml version="1.0" encoding="utf-8"?>
-<ds:datastoreItem xmlns:ds="http://schemas.openxmlformats.org/officeDocument/2006/customXml" ds:itemID="{D19BEC73-69CB-414A-A7BE-653B795EEE32}">
-  <ds:schemaRefs>
-    <ds:schemaRef ds:uri="http://schemas.microsoft.com/office/2006/metadata/properties"/>
-    <ds:schemaRef ds:uri="http://schemas.microsoft.com/office/infopath/2007/PartnerControls"/>
-    <ds:schemaRef ds:uri="http://schemas.microsoft.com/sharepoint/v3"/>
-    <ds:schemaRef ds:uri="22a3f1e7-1ad8-4567-967d-700183da1d1b"/>
-    <ds:schemaRef ds:uri="aacb7df8-672f-46f2-977f-893ce5cef86b"/>
-  </ds:schemaRefs>
-</ds:datastoreItem>
-</file>
-
-<file path=customXml/itemProps4.xml><?xml version="1.0" encoding="utf-8"?>
-<ds:datastoreItem xmlns:ds="http://schemas.openxmlformats.org/officeDocument/2006/customXml" ds:itemID="{A0CB3283-4520-48D0-9091-1EFB3339413D}">
-  <ds:schemaRefs/>
-</ds:datastoreItem>
-</file>
-
-<file path=customXml/itemProps5.xml><?xml version="1.0" encoding="utf-8"?>
-<ds:datastoreItem xmlns:ds="http://schemas.openxmlformats.org/officeDocument/2006/customXml" ds:itemID="{D76696FF-6F99-4BF8-BD28-5EEAF2578D78}">
-  <ds:schemaRefs>
-    <ds:schemaRef ds:uri="http://schemas.microsoft.com/sharepoint/v3/contenttype/forms"/>
-  </ds:schemaRefs>
-</ds:datastoreItem>
-</file>
-
-<file path=customXml/itemProps6.xml><?xml version="1.0" encoding="utf-8"?>
-<ds:datastoreItem xmlns:ds="http://schemas.openxmlformats.org/officeDocument/2006/customXml" ds:itemID="{4A60029D-BC97-4DCF-8029-ACF823033E00}">
-  <ds:schemaRefs/>
-</ds:datastoreItem>
-</file>
-
-<file path=customXml/itemProps7.xml><?xml version="1.0" encoding="utf-8"?>
-<ds:datastoreItem xmlns:ds="http://schemas.openxmlformats.org/officeDocument/2006/customXml" ds:itemID="{28C85CB8-C4E2-42B6-9E95-8E3EDB1A7CC4}">
-  <ds:schemaRefs/>
-</ds:datastoreItem>
 </file>